--- a/3 am/2 العروض التقديمية/1 تصميم عرض تقديمي/cours 9/exemple.pptx
+++ b/3 am/2 العروض التقديمية/1 تصميم عرض تقديمي/cours 9/exemple.pptx
@@ -108,6 +108,11 @@
       </a:defRPr>
     </a:lvl9pPr>
   </p:defaultTextStyle>
+  <p:extLst>
+    <p:ext uri="{EFAFB233-063F-42B5-8137-9DF3F51BA10A}">
+      <p15:sldGuideLst xmlns:p15="http://schemas.microsoft.com/office/powerpoint/2012/main"/>
+    </p:ext>
+  </p:extLst>
 </p:presentation>
 </file>
 
@@ -242,7 +247,7 @@
           <a:p>
             <a:fld id="{8CC647DE-DEAD-41B8-A3BC-F21B3D8154B7}" type="datetimeFigureOut">
               <a:rPr lang="fr-FR" smtClean="0"/>
-              <a:t>14/02/2025</a:t>
+              <a:t>18/02/2025</a:t>
             </a:fld>
             <a:endParaRPr lang="fr-FR"/>
           </a:p>
@@ -412,7 +417,7 @@
           <a:p>
             <a:fld id="{8CC647DE-DEAD-41B8-A3BC-F21B3D8154B7}" type="datetimeFigureOut">
               <a:rPr lang="fr-FR" smtClean="0"/>
-              <a:t>14/02/2025</a:t>
+              <a:t>18/02/2025</a:t>
             </a:fld>
             <a:endParaRPr lang="fr-FR"/>
           </a:p>
@@ -592,7 +597,7 @@
           <a:p>
             <a:fld id="{8CC647DE-DEAD-41B8-A3BC-F21B3D8154B7}" type="datetimeFigureOut">
               <a:rPr lang="fr-FR" smtClean="0"/>
-              <a:t>14/02/2025</a:t>
+              <a:t>18/02/2025</a:t>
             </a:fld>
             <a:endParaRPr lang="fr-FR"/>
           </a:p>
@@ -762,7 +767,7 @@
           <a:p>
             <a:fld id="{8CC647DE-DEAD-41B8-A3BC-F21B3D8154B7}" type="datetimeFigureOut">
               <a:rPr lang="fr-FR" smtClean="0"/>
-              <a:t>14/02/2025</a:t>
+              <a:t>18/02/2025</a:t>
             </a:fld>
             <a:endParaRPr lang="fr-FR"/>
           </a:p>
@@ -1008,7 +1013,7 @@
           <a:p>
             <a:fld id="{8CC647DE-DEAD-41B8-A3BC-F21B3D8154B7}" type="datetimeFigureOut">
               <a:rPr lang="fr-FR" smtClean="0"/>
-              <a:t>14/02/2025</a:t>
+              <a:t>18/02/2025</a:t>
             </a:fld>
             <a:endParaRPr lang="fr-FR"/>
           </a:p>
@@ -1240,7 +1245,7 @@
           <a:p>
             <a:fld id="{8CC647DE-DEAD-41B8-A3BC-F21B3D8154B7}" type="datetimeFigureOut">
               <a:rPr lang="fr-FR" smtClean="0"/>
-              <a:t>14/02/2025</a:t>
+              <a:t>18/02/2025</a:t>
             </a:fld>
             <a:endParaRPr lang="fr-FR"/>
           </a:p>
@@ -1607,7 +1612,7 @@
           <a:p>
             <a:fld id="{8CC647DE-DEAD-41B8-A3BC-F21B3D8154B7}" type="datetimeFigureOut">
               <a:rPr lang="fr-FR" smtClean="0"/>
-              <a:t>14/02/2025</a:t>
+              <a:t>18/02/2025</a:t>
             </a:fld>
             <a:endParaRPr lang="fr-FR"/>
           </a:p>
@@ -1725,7 +1730,7 @@
           <a:p>
             <a:fld id="{8CC647DE-DEAD-41B8-A3BC-F21B3D8154B7}" type="datetimeFigureOut">
               <a:rPr lang="fr-FR" smtClean="0"/>
-              <a:t>14/02/2025</a:t>
+              <a:t>18/02/2025</a:t>
             </a:fld>
             <a:endParaRPr lang="fr-FR"/>
           </a:p>
@@ -1820,7 +1825,7 @@
           <a:p>
             <a:fld id="{8CC647DE-DEAD-41B8-A3BC-F21B3D8154B7}" type="datetimeFigureOut">
               <a:rPr lang="fr-FR" smtClean="0"/>
-              <a:t>14/02/2025</a:t>
+              <a:t>18/02/2025</a:t>
             </a:fld>
             <a:endParaRPr lang="fr-FR"/>
           </a:p>
@@ -2097,7 +2102,7 @@
           <a:p>
             <a:fld id="{8CC647DE-DEAD-41B8-A3BC-F21B3D8154B7}" type="datetimeFigureOut">
               <a:rPr lang="fr-FR" smtClean="0"/>
-              <a:t>14/02/2025</a:t>
+              <a:t>18/02/2025</a:t>
             </a:fld>
             <a:endParaRPr lang="fr-FR"/>
           </a:p>
@@ -2350,7 +2355,7 @@
           <a:p>
             <a:fld id="{8CC647DE-DEAD-41B8-A3BC-F21B3D8154B7}" type="datetimeFigureOut">
               <a:rPr lang="fr-FR" smtClean="0"/>
-              <a:t>14/02/2025</a:t>
+              <a:t>18/02/2025</a:t>
             </a:fld>
             <a:endParaRPr lang="fr-FR"/>
           </a:p>
@@ -2563,7 +2568,7 @@
           <a:p>
             <a:fld id="{8CC647DE-DEAD-41B8-A3BC-F21B3D8154B7}" type="datetimeFigureOut">
               <a:rPr lang="fr-FR" smtClean="0"/>
-              <a:t>14/02/2025</a:t>
+              <a:t>18/02/2025</a:t>
             </a:fld>
             <a:endParaRPr lang="fr-FR"/>
           </a:p>
@@ -2954,6 +2959,14 @@
 <file path=ppt/slides/slide1.xml><?xml version="1.0" encoding="utf-8"?>
 <p:sld xmlns:a="http://schemas.openxmlformats.org/drawingml/2006/main" xmlns:r="http://schemas.openxmlformats.org/officeDocument/2006/relationships" xmlns:p="http://schemas.openxmlformats.org/presentationml/2006/main">
   <p:cSld>
+    <p:bg>
+      <p:bgPr>
+        <a:solidFill>
+          <a:schemeClr val="bg1"/>
+        </a:solidFill>
+        <a:effectLst/>
+      </p:bgPr>
+    </p:bg>
     <p:spTree>
       <p:nvGrpSpPr>
         <p:cNvPr id="1" name=""/>
@@ -2980,21 +2993,22 @@
         </p:nvSpPr>
         <p:spPr>
           <a:xfrm>
-            <a:off x="1524000" y="1188624"/>
-            <a:ext cx="9144000" cy="2387600"/>
+            <a:off x="1069144" y="2088956"/>
+            <a:ext cx="10555458" cy="2387600"/>
           </a:xfrm>
+          <a:noFill/>
         </p:spPr>
         <p:txBody>
           <a:bodyPr>
-            <a:normAutofit/>
+            <a:noAutofit/>
           </a:bodyPr>
           <a:lstStyle/>
           <a:p>
             <a:r>
-              <a:rPr lang="fr-FR" sz="9600" dirty="0" smtClean="0"/>
+              <a:rPr lang="fr-FR" sz="16600" b="1" dirty="0" smtClean="0"/>
               <a:t>Diapo 1</a:t>
             </a:r>
-            <a:endParaRPr lang="fr-FR" sz="9600" dirty="0"/>
+            <a:endParaRPr lang="fr-FR" sz="16600" b="1" dirty="0"/>
           </a:p>
         </p:txBody>
       </p:sp>
@@ -3008,6 +3022,13 @@
   <p:clrMapOvr>
     <a:masterClrMapping/>
   </p:clrMapOvr>
+  <p:timing>
+    <p:tnLst>
+      <p:par>
+        <p:cTn id="1" dur="indefinite" restart="never" nodeType="tmRoot"/>
+      </p:par>
+    </p:tnLst>
+  </p:timing>
 </p:sld>
 </file>
 
@@ -3038,21 +3059,28 @@
             <p:ph type="title"/>
           </p:nvPr>
         </p:nvSpPr>
-        <p:spPr/>
-        <p:txBody>
-          <a:bodyPr/>
+        <p:spPr>
+          <a:xfrm>
+            <a:off x="866335" y="210380"/>
+            <a:ext cx="10515600" cy="1325563"/>
+          </a:xfrm>
+        </p:spPr>
+        <p:txBody>
+          <a:bodyPr>
+            <a:normAutofit/>
+          </a:bodyPr>
           <a:lstStyle/>
           <a:p>
             <a:pPr algn="ctr"/>
             <a:r>
-              <a:rPr lang="fr-FR" dirty="0"/>
+              <a:rPr lang="fr-FR" sz="6600" b="1" dirty="0"/>
               <a:t>V</a:t>
             </a:r>
             <a:r>
-              <a:rPr lang="fr-FR" dirty="0" smtClean="0"/>
+              <a:rPr lang="fr-FR" sz="6600" b="1" dirty="0" smtClean="0"/>
               <a:t>oiture</a:t>
             </a:r>
-            <a:endParaRPr lang="fr-FR" dirty="0"/>
+            <a:endParaRPr lang="fr-FR" sz="6000" b="1" dirty="0"/>
           </a:p>
         </p:txBody>
       </p:sp>
@@ -3080,8 +3108,8 @@
         </p:blipFill>
         <p:spPr>
           <a:xfrm>
-            <a:off x="2224047" y="1825625"/>
-            <a:ext cx="7743906" cy="4351338"/>
+            <a:off x="1927274" y="1690688"/>
+            <a:ext cx="8687793" cy="4881713"/>
           </a:xfrm>
         </p:spPr>
       </p:pic>
@@ -3095,12 +3123,27 @@
   <p:clrMapOvr>
     <a:masterClrMapping/>
   </p:clrMapOvr>
+  <p:timing>
+    <p:tnLst>
+      <p:par>
+        <p:cTn id="1" dur="indefinite" restart="never" nodeType="tmRoot"/>
+      </p:par>
+    </p:tnLst>
+  </p:timing>
 </p:sld>
 </file>
 
 <file path=ppt/slides/slide3.xml><?xml version="1.0" encoding="utf-8"?>
 <p:sld xmlns:a="http://schemas.openxmlformats.org/drawingml/2006/main" xmlns:r="http://schemas.openxmlformats.org/officeDocument/2006/relationships" xmlns:p="http://schemas.openxmlformats.org/presentationml/2006/main">
   <p:cSld>
+    <p:bg>
+      <p:bgPr>
+        <a:solidFill>
+          <a:schemeClr val="bg1"/>
+        </a:solidFill>
+        <a:effectLst/>
+      </p:bgPr>
+    </p:bg>
     <p:spTree>
       <p:nvGrpSpPr>
         <p:cNvPr id="1" name=""/>
@@ -3125,21 +3168,28 @@
             <p:ph type="title"/>
           </p:nvPr>
         </p:nvSpPr>
-        <p:spPr/>
-        <p:txBody>
-          <a:bodyPr/>
+        <p:spPr>
+          <a:xfrm>
+            <a:off x="838199" y="120233"/>
+            <a:ext cx="10515600" cy="1325563"/>
+          </a:xfrm>
+        </p:spPr>
+        <p:txBody>
+          <a:bodyPr>
+            <a:normAutofit/>
+          </a:bodyPr>
           <a:lstStyle/>
           <a:p>
             <a:pPr algn="ctr"/>
             <a:r>
-              <a:rPr lang="fr-FR" dirty="0"/>
+              <a:rPr lang="fr-FR" sz="6600" b="1" dirty="0"/>
               <a:t>B</a:t>
             </a:r>
             <a:r>
-              <a:rPr lang="fr-FR" dirty="0" smtClean="0"/>
+              <a:rPr lang="fr-FR" sz="6600" b="1" dirty="0" smtClean="0"/>
               <a:t>ateau</a:t>
             </a:r>
-            <a:endParaRPr lang="fr-FR" dirty="0"/>
+            <a:endParaRPr lang="fr-FR" sz="6000" b="1" dirty="0"/>
           </a:p>
         </p:txBody>
       </p:sp>
@@ -3167,8 +3217,8 @@
         </p:blipFill>
         <p:spPr>
           <a:xfrm>
-            <a:off x="2833134" y="1825625"/>
-            <a:ext cx="6525732" cy="4351338"/>
+            <a:off x="2176222" y="1445796"/>
+            <a:ext cx="7839555" cy="5227391"/>
           </a:xfrm>
         </p:spPr>
       </p:pic>
@@ -3182,6 +3232,13 @@
   <p:clrMapOvr>
     <a:masterClrMapping/>
   </p:clrMapOvr>
+  <p:timing>
+    <p:tnLst>
+      <p:par>
+        <p:cTn id="1" dur="indefinite" restart="never" nodeType="tmRoot"/>
+      </p:par>
+    </p:tnLst>
+  </p:timing>
 </p:sld>
 </file>
 
@@ -3212,17 +3269,24 @@
             <p:ph type="title"/>
           </p:nvPr>
         </p:nvSpPr>
-        <p:spPr/>
-        <p:txBody>
-          <a:bodyPr/>
+        <p:spPr>
+          <a:xfrm>
+            <a:off x="838199" y="120233"/>
+            <a:ext cx="10515600" cy="1325563"/>
+          </a:xfrm>
+        </p:spPr>
+        <p:txBody>
+          <a:bodyPr>
+            <a:normAutofit/>
+          </a:bodyPr>
           <a:lstStyle/>
           <a:p>
             <a:pPr algn="ctr"/>
             <a:r>
-              <a:rPr lang="fr-FR" dirty="0" smtClean="0"/>
+              <a:rPr lang="fr-FR" sz="6600" b="1" dirty="0" smtClean="0"/>
               <a:t>Maison</a:t>
             </a:r>
-            <a:endParaRPr lang="fr-FR" dirty="0"/>
+            <a:endParaRPr lang="fr-FR" sz="6600" b="1" dirty="0"/>
           </a:p>
         </p:txBody>
       </p:sp>
@@ -3250,8 +3314,8 @@
         </p:blipFill>
         <p:spPr>
           <a:xfrm>
-            <a:off x="2832496" y="1825625"/>
-            <a:ext cx="6527007" cy="4351338"/>
+            <a:off x="2232174" y="1445796"/>
+            <a:ext cx="7727651" cy="5151767"/>
           </a:xfrm>
         </p:spPr>
       </p:pic>
@@ -3265,6 +3329,13 @@
   <p:clrMapOvr>
     <a:masterClrMapping/>
   </p:clrMapOvr>
+  <p:timing>
+    <p:tnLst>
+      <p:par>
+        <p:cTn id="1" dur="indefinite" restart="never" nodeType="tmRoot"/>
+      </p:par>
+    </p:tnLst>
+  </p:timing>
 </p:sld>
 </file>
 
@@ -3297,7 +3368,7 @@
         </p:nvSpPr>
         <p:spPr>
           <a:xfrm>
-            <a:off x="851452" y="2485473"/>
+            <a:off x="851452" y="2724624"/>
             <a:ext cx="10515600" cy="1325563"/>
           </a:xfrm>
         </p:spPr>
@@ -3309,10 +3380,10 @@
           <a:p>
             <a:pPr algn="ctr"/>
             <a:r>
-              <a:rPr lang="fr-FR" sz="9600" dirty="0" smtClean="0"/>
+              <a:rPr lang="fr-FR" sz="19900" b="1" dirty="0" smtClean="0"/>
               <a:t>Fin</a:t>
             </a:r>
-            <a:endParaRPr lang="fr-FR" sz="9600" dirty="0"/>
+            <a:endParaRPr lang="fr-FR" sz="34400" b="1" dirty="0"/>
           </a:p>
         </p:txBody>
       </p:sp>
@@ -3326,6 +3397,13 @@
   <p:clrMapOvr>
     <a:masterClrMapping/>
   </p:clrMapOvr>
+  <p:timing>
+    <p:tnLst>
+      <p:par>
+        <p:cTn id="1" dur="indefinite" restart="never" nodeType="tmRoot"/>
+      </p:par>
+    </p:tnLst>
+  </p:timing>
 </p:sld>
 </file>
 
